--- a/documenten/presentatie/cs_presentatie.pptx
+++ b/documenten/presentatie/cs_presentatie.pptx
@@ -5,12 +5,15 @@
     <p:sldMasterId id="2147483840" r:id="rId1"/>
   </p:sldMasterIdLst>
   <p:notesMasterIdLst>
-    <p:notesMasterId r:id="rId5"/>
+    <p:notesMasterId r:id="rId8"/>
   </p:notesMasterIdLst>
   <p:sldIdLst>
     <p:sldId id="256" r:id="rId2"/>
     <p:sldId id="257" r:id="rId3"/>
     <p:sldId id="258" r:id="rId4"/>
+    <p:sldId id="259" r:id="rId5"/>
+    <p:sldId id="260" r:id="rId6"/>
+    <p:sldId id="261" r:id="rId7"/>
   </p:sldIdLst>
   <p:sldSz cx="12192000" cy="6858000"/>
   <p:notesSz cx="6858000" cy="9144000"/>
@@ -109,6 +112,11 @@
       </a:defRPr>
     </a:lvl9pPr>
   </p:defaultTextStyle>
+  <p:extLst>
+    <p:ext uri="{EFAFB233-063F-42B5-8137-9DF3F51BA10A}">
+      <p15:sldGuideLst xmlns:p15="http://schemas.microsoft.com/office/powerpoint/2012/main"/>
+    </p:ext>
+  </p:extLst>
 </p:presentation>
 </file>
 
@@ -198,7 +206,7 @@
           <a:p>
             <a:fld id="{A3338EA1-B8D4-4E87-85B6-CC0126DB775D}" type="datetimeFigureOut">
               <a:rPr lang="nl-NL" smtClean="0"/>
-              <a:t>7-6-2017</a:t>
+              <a:t>8-6-2017</a:t>
             </a:fld>
             <a:endParaRPr lang="nl-NL"/>
           </a:p>
@@ -775,7 +783,7 @@
             <a:fld id="{5586B75A-687E-405C-8A0B-8D00578BA2C3}" type="datetimeFigureOut">
               <a:rPr lang="en-US" dirty="0"/>
               <a:pPr/>
-              <a:t>6/7/2017</a:t>
+              <a:t>6/8/2017</a:t>
             </a:fld>
             <a:endParaRPr lang="en-US" dirty="0"/>
           </a:p>
@@ -942,7 +950,7 @@
             <a:fld id="{5586B75A-687E-405C-8A0B-8D00578BA2C3}" type="datetimeFigureOut">
               <a:rPr lang="en-US" dirty="0"/>
               <a:pPr/>
-              <a:t>6/7/2017</a:t>
+              <a:t>6/8/2017</a:t>
             </a:fld>
             <a:endParaRPr lang="en-US" dirty="0"/>
           </a:p>
@@ -1119,7 +1127,7 @@
             <a:fld id="{5586B75A-687E-405C-8A0B-8D00578BA2C3}" type="datetimeFigureOut">
               <a:rPr lang="en-US" dirty="0"/>
               <a:pPr/>
-              <a:t>6/7/2017</a:t>
+              <a:t>6/8/2017</a:t>
             </a:fld>
             <a:endParaRPr lang="en-US" dirty="0"/>
           </a:p>
@@ -1286,7 +1294,7 @@
             <a:fld id="{5586B75A-687E-405C-8A0B-8D00578BA2C3}" type="datetimeFigureOut">
               <a:rPr lang="en-US" dirty="0"/>
               <a:pPr/>
-              <a:t>6/7/2017</a:t>
+              <a:t>6/8/2017</a:t>
             </a:fld>
             <a:endParaRPr lang="en-US" dirty="0"/>
           </a:p>
@@ -1537,7 +1545,7 @@
             <a:fld id="{5586B75A-687E-405C-8A0B-8D00578BA2C3}" type="datetimeFigureOut">
               <a:rPr lang="en-US" dirty="0"/>
               <a:pPr/>
-              <a:t>6/7/2017</a:t>
+              <a:t>6/8/2017</a:t>
             </a:fld>
             <a:endParaRPr lang="en-US" dirty="0"/>
           </a:p>
@@ -1822,7 +1830,7 @@
             <a:fld id="{5586B75A-687E-405C-8A0B-8D00578BA2C3}" type="datetimeFigureOut">
               <a:rPr lang="en-US" dirty="0"/>
               <a:pPr/>
-              <a:t>6/7/2017</a:t>
+              <a:t>6/8/2017</a:t>
             </a:fld>
             <a:endParaRPr lang="en-US" dirty="0"/>
           </a:p>
@@ -2261,7 +2269,7 @@
             <a:fld id="{5586B75A-687E-405C-8A0B-8D00578BA2C3}" type="datetimeFigureOut">
               <a:rPr lang="en-US" dirty="0"/>
               <a:pPr/>
-              <a:t>6/7/2017</a:t>
+              <a:t>6/8/2017</a:t>
             </a:fld>
             <a:endParaRPr lang="en-US" dirty="0"/>
           </a:p>
@@ -2376,7 +2384,7 @@
             <a:fld id="{5586B75A-687E-405C-8A0B-8D00578BA2C3}" type="datetimeFigureOut">
               <a:rPr lang="en-US" dirty="0"/>
               <a:pPr/>
-              <a:t>6/7/2017</a:t>
+              <a:t>6/8/2017</a:t>
             </a:fld>
             <a:endParaRPr lang="en-US" dirty="0"/>
           </a:p>
@@ -2468,7 +2476,7 @@
             <a:fld id="{5586B75A-687E-405C-8A0B-8D00578BA2C3}" type="datetimeFigureOut">
               <a:rPr lang="en-US" dirty="0"/>
               <a:pPr/>
-              <a:t>6/7/2017</a:t>
+              <a:t>6/8/2017</a:t>
             </a:fld>
             <a:endParaRPr lang="en-US" dirty="0"/>
           </a:p>
@@ -2753,7 +2761,7 @@
             <a:fld id="{5586B75A-687E-405C-8A0B-8D00578BA2C3}" type="datetimeFigureOut">
               <a:rPr lang="en-US" dirty="0"/>
               <a:pPr/>
-              <a:t>6/7/2017</a:t>
+              <a:t>6/8/2017</a:t>
             </a:fld>
             <a:endParaRPr lang="en-US" dirty="0"/>
           </a:p>
@@ -3023,7 +3031,7 @@
             <a:fld id="{5586B75A-687E-405C-8A0B-8D00578BA2C3}" type="datetimeFigureOut">
               <a:rPr lang="en-US" dirty="0"/>
               <a:pPr/>
-              <a:t>6/7/2017</a:t>
+              <a:t>6/8/2017</a:t>
             </a:fld>
             <a:endParaRPr lang="en-US" dirty="0"/>
           </a:p>
@@ -3317,7 +3325,7 @@
             <a:fld id="{5586B75A-687E-405C-8A0B-8D00578BA2C3}" type="datetimeFigureOut">
               <a:rPr lang="en-US" dirty="0"/>
               <a:pPr/>
-              <a:t>6/7/2017</a:t>
+              <a:t>6/8/2017</a:t>
             </a:fld>
             <a:endParaRPr lang="en-US" dirty="0"/>
           </a:p>
@@ -3840,7 +3848,7 @@
           <a:p>
             <a:r>
               <a:rPr lang="en-GB" dirty="0"/>
-              <a:t>Made by: Group 1</a:t>
+              <a:t>Group 1</a:t>
             </a:r>
             <a:endParaRPr lang="nl-NL" dirty="0"/>
           </a:p>
@@ -3922,9 +3930,41 @@
           <a:p>
             <a:r>
               <a:rPr lang="en-GB" dirty="0"/>
+              <a:t>login/</a:t>
+            </a:r>
+            <a:r>
+              <a:rPr lang="nl-NL" dirty="0"/>
+              <a:t>registratie</a:t>
+            </a:r>
+            <a:r>
+              <a:rPr lang="en-GB" dirty="0"/>
+              <a:t> menu</a:t>
+            </a:r>
+          </a:p>
+          <a:p>
+            <a:r>
+              <a:rPr lang="en-GB" dirty="0" err="1"/>
+              <a:t>Gebruiker</a:t>
+            </a:r>
+            <a:r>
+              <a:rPr lang="en-GB" dirty="0"/>
+              <a:t> menu</a:t>
+            </a:r>
+          </a:p>
+          <a:p>
+            <a:r>
+              <a:rPr lang="en-GB" dirty="0"/>
+              <a:t>Admin menu</a:t>
+            </a:r>
+          </a:p>
+          <a:p>
+            <a:r>
+              <a:rPr lang="en-GB" dirty="0"/>
               <a:t>Live demo</a:t>
             </a:r>
-            <a:endParaRPr lang="nl-NL" dirty="0"/>
+          </a:p>
+          <a:p>
+            <a:endParaRPr lang="en-GB" dirty="0"/>
           </a:p>
         </p:txBody>
       </p:sp>
@@ -3974,7 +4014,7 @@
           <a:lstStyle/>
           <a:p>
             <a:r>
-              <a:rPr lang="en-GB" dirty="0" err="1"/>
+              <a:rPr lang="en-GB" dirty="0"/>
               <a:t>MoSCoW</a:t>
             </a:r>
             <a:endParaRPr lang="nl-NL" dirty="0"/>
@@ -4011,6 +4051,408 @@
     <p:extLst>
       <p:ext uri="{BB962C8B-B14F-4D97-AF65-F5344CB8AC3E}">
         <p14:creationId xmlns:p14="http://schemas.microsoft.com/office/powerpoint/2010/main" val="1711571963"/>
+      </p:ext>
+    </p:extLst>
+  </p:cSld>
+  <p:clrMapOvr>
+    <a:masterClrMapping/>
+  </p:clrMapOvr>
+</p:sld>
+</file>
+
+<file path=ppt/slides/slide4.xml><?xml version="1.0" encoding="utf-8"?>
+<p:sld xmlns:a="http://schemas.openxmlformats.org/drawingml/2006/main" xmlns:r="http://schemas.openxmlformats.org/officeDocument/2006/relationships" xmlns:p="http://schemas.openxmlformats.org/presentationml/2006/main">
+  <p:cSld>
+    <p:spTree>
+      <p:nvGrpSpPr>
+        <p:cNvPr id="1" name=""/>
+        <p:cNvGrpSpPr/>
+        <p:nvPr/>
+      </p:nvGrpSpPr>
+      <p:grpSpPr>
+        <a:xfrm>
+          <a:off x="0" y="0"/>
+          <a:ext cx="0" cy="0"/>
+          <a:chOff x="0" y="0"/>
+          <a:chExt cx="0" cy="0"/>
+        </a:xfrm>
+      </p:grpSpPr>
+      <p:sp>
+        <p:nvSpPr>
+          <p:cNvPr id="2" name="Title 1"/>
+          <p:cNvSpPr>
+            <a:spLocks noGrp="1"/>
+          </p:cNvSpPr>
+          <p:nvPr>
+            <p:ph type="title"/>
+          </p:nvPr>
+        </p:nvSpPr>
+        <p:spPr/>
+        <p:txBody>
+          <a:bodyPr/>
+          <a:lstStyle/>
+          <a:p>
+            <a:r>
+              <a:rPr lang="en-US" dirty="0"/>
+              <a:t>Login/Register menu</a:t>
+            </a:r>
+          </a:p>
+        </p:txBody>
+      </p:sp>
+      <p:sp>
+        <p:nvSpPr>
+          <p:cNvPr id="3" name="Content Placeholder 2"/>
+          <p:cNvSpPr>
+            <a:spLocks noGrp="1"/>
+          </p:cNvSpPr>
+          <p:nvPr>
+            <p:ph idx="1"/>
+          </p:nvPr>
+        </p:nvSpPr>
+        <p:spPr/>
+        <p:txBody>
+          <a:bodyPr/>
+          <a:lstStyle/>
+          <a:p>
+            <a:r>
+              <a:rPr lang="en-US" dirty="0"/>
+              <a:t>Login met </a:t>
+            </a:r>
+            <a:r>
+              <a:rPr lang="nl-NL" dirty="0"/>
+              <a:t>gebruikersnaam en wachtwoord</a:t>
+            </a:r>
+          </a:p>
+          <a:p>
+            <a:r>
+              <a:rPr lang="nl-NL" dirty="0"/>
+              <a:t>Register als gebruiker</a:t>
+            </a:r>
+          </a:p>
+          <a:p>
+            <a:r>
+              <a:rPr lang="en-US" dirty="0"/>
+              <a:t>Show ranking</a:t>
+            </a:r>
+          </a:p>
+          <a:p>
+            <a:r>
+              <a:rPr lang="en-US" dirty="0"/>
+              <a:t>Exit</a:t>
+            </a:r>
+          </a:p>
+          <a:p>
+            <a:endParaRPr lang="nl-NL" dirty="0"/>
+          </a:p>
+          <a:p>
+            <a:endParaRPr lang="en-US" dirty="0"/>
+          </a:p>
+        </p:txBody>
+      </p:sp>
+      <p:pic>
+        <p:nvPicPr>
+          <p:cNvPr id="5" name="Picture 4"/>
+          <p:cNvPicPr>
+            <a:picLocks noChangeAspect="1"/>
+          </p:cNvPicPr>
+          <p:nvPr/>
+        </p:nvPicPr>
+        <p:blipFill>
+          <a:blip r:embed="rId2"/>
+          <a:stretch>
+            <a:fillRect/>
+          </a:stretch>
+        </p:blipFill>
+        <p:spPr>
+          <a:xfrm>
+            <a:off x="6981491" y="2850782"/>
+            <a:ext cx="4306554" cy="2978541"/>
+          </a:xfrm>
+          <a:prstGeom prst="rect">
+            <a:avLst/>
+          </a:prstGeom>
+        </p:spPr>
+      </p:pic>
+    </p:spTree>
+    <p:extLst>
+      <p:ext uri="{BB962C8B-B14F-4D97-AF65-F5344CB8AC3E}">
+        <p14:creationId xmlns:p14="http://schemas.microsoft.com/office/powerpoint/2010/main" val="64289363"/>
+      </p:ext>
+    </p:extLst>
+  </p:cSld>
+  <p:clrMapOvr>
+    <a:masterClrMapping/>
+  </p:clrMapOvr>
+</p:sld>
+</file>
+
+<file path=ppt/slides/slide5.xml><?xml version="1.0" encoding="utf-8"?>
+<p:sld xmlns:a="http://schemas.openxmlformats.org/drawingml/2006/main" xmlns:r="http://schemas.openxmlformats.org/officeDocument/2006/relationships" xmlns:p="http://schemas.openxmlformats.org/presentationml/2006/main">
+  <p:cSld>
+    <p:spTree>
+      <p:nvGrpSpPr>
+        <p:cNvPr id="1" name=""/>
+        <p:cNvGrpSpPr/>
+        <p:nvPr/>
+      </p:nvGrpSpPr>
+      <p:grpSpPr>
+        <a:xfrm>
+          <a:off x="0" y="0"/>
+          <a:ext cx="0" cy="0"/>
+          <a:chOff x="0" y="0"/>
+          <a:chExt cx="0" cy="0"/>
+        </a:xfrm>
+      </p:grpSpPr>
+      <p:sp>
+        <p:nvSpPr>
+          <p:cNvPr id="2" name="Title 1"/>
+          <p:cNvSpPr>
+            <a:spLocks noGrp="1"/>
+          </p:cNvSpPr>
+          <p:nvPr>
+            <p:ph type="title"/>
+          </p:nvPr>
+        </p:nvSpPr>
+        <p:spPr>
+          <a:xfrm>
+            <a:off x="252919" y="1123837"/>
+            <a:ext cx="3249406" cy="4601183"/>
+          </a:xfrm>
+        </p:spPr>
+        <p:txBody>
+          <a:bodyPr/>
+          <a:lstStyle/>
+          <a:p>
+            <a:r>
+              <a:rPr lang="nl-NL" dirty="0"/>
+              <a:t>Gebruiker </a:t>
+            </a:r>
+            <a:r>
+              <a:rPr lang="en-US" dirty="0"/>
+              <a:t>menu</a:t>
+            </a:r>
+          </a:p>
+        </p:txBody>
+      </p:sp>
+      <p:sp>
+        <p:nvSpPr>
+          <p:cNvPr id="3" name="Content Placeholder 2"/>
+          <p:cNvSpPr>
+            <a:spLocks noGrp="1"/>
+          </p:cNvSpPr>
+          <p:nvPr>
+            <p:ph idx="1"/>
+          </p:nvPr>
+        </p:nvSpPr>
+        <p:spPr/>
+        <p:txBody>
+          <a:bodyPr/>
+          <a:lstStyle/>
+          <a:p>
+            <a:r>
+              <a:rPr lang="nl-NL" dirty="0"/>
+              <a:t>Weddenschappen</a:t>
+            </a:r>
+          </a:p>
+          <a:p>
+            <a:r>
+              <a:rPr lang="nl-NL" dirty="0"/>
+              <a:t>Wedstrijdschema</a:t>
+            </a:r>
+          </a:p>
+          <a:p>
+            <a:r>
+              <a:rPr lang="en-US" dirty="0"/>
+              <a:t>Edit Predictions</a:t>
+            </a:r>
+          </a:p>
+          <a:p>
+            <a:r>
+              <a:rPr lang="en-US" dirty="0"/>
+              <a:t>Clear Predictions</a:t>
+            </a:r>
+          </a:p>
+          <a:p>
+            <a:r>
+              <a:rPr lang="en-US" dirty="0"/>
+              <a:t>Insert Predictions</a:t>
+            </a:r>
+          </a:p>
+          <a:p>
+            <a:r>
+              <a:rPr lang="nl-NL" dirty="0"/>
+              <a:t>Browser</a:t>
+            </a:r>
+          </a:p>
+          <a:p>
+            <a:r>
+              <a:rPr lang="nl-NL" dirty="0"/>
+              <a:t>Log out</a:t>
+            </a:r>
+          </a:p>
+          <a:p>
+            <a:endParaRPr lang="en-US" dirty="0"/>
+          </a:p>
+          <a:p>
+            <a:endParaRPr lang="en-US" dirty="0"/>
+          </a:p>
+        </p:txBody>
+      </p:sp>
+      <p:pic>
+        <p:nvPicPr>
+          <p:cNvPr id="19" name="Picture 18"/>
+          <p:cNvPicPr>
+            <a:picLocks noChangeAspect="1"/>
+          </p:cNvPicPr>
+          <p:nvPr/>
+        </p:nvPicPr>
+        <p:blipFill>
+          <a:blip r:embed="rId2"/>
+          <a:stretch>
+            <a:fillRect/>
+          </a:stretch>
+        </p:blipFill>
+        <p:spPr>
+          <a:xfrm>
+            <a:off x="6287064" y="2628172"/>
+            <a:ext cx="5698457" cy="4018434"/>
+          </a:xfrm>
+          <a:prstGeom prst="rect">
+            <a:avLst/>
+          </a:prstGeom>
+        </p:spPr>
+      </p:pic>
+    </p:spTree>
+    <p:extLst>
+      <p:ext uri="{BB962C8B-B14F-4D97-AF65-F5344CB8AC3E}">
+        <p14:creationId xmlns:p14="http://schemas.microsoft.com/office/powerpoint/2010/main" val="3157004606"/>
+      </p:ext>
+    </p:extLst>
+  </p:cSld>
+  <p:clrMapOvr>
+    <a:masterClrMapping/>
+  </p:clrMapOvr>
+</p:sld>
+</file>
+
+<file path=ppt/slides/slide6.xml><?xml version="1.0" encoding="utf-8"?>
+<p:sld xmlns:a="http://schemas.openxmlformats.org/drawingml/2006/main" xmlns:r="http://schemas.openxmlformats.org/officeDocument/2006/relationships" xmlns:p="http://schemas.openxmlformats.org/presentationml/2006/main">
+  <p:cSld>
+    <p:spTree>
+      <p:nvGrpSpPr>
+        <p:cNvPr id="1" name=""/>
+        <p:cNvGrpSpPr/>
+        <p:nvPr/>
+      </p:nvGrpSpPr>
+      <p:grpSpPr>
+        <a:xfrm>
+          <a:off x="0" y="0"/>
+          <a:ext cx="0" cy="0"/>
+          <a:chOff x="0" y="0"/>
+          <a:chExt cx="0" cy="0"/>
+        </a:xfrm>
+      </p:grpSpPr>
+      <p:sp>
+        <p:nvSpPr>
+          <p:cNvPr id="2" name="Title 1"/>
+          <p:cNvSpPr>
+            <a:spLocks noGrp="1"/>
+          </p:cNvSpPr>
+          <p:nvPr>
+            <p:ph type="title"/>
+          </p:nvPr>
+        </p:nvSpPr>
+        <p:spPr/>
+        <p:txBody>
+          <a:bodyPr/>
+          <a:lstStyle/>
+          <a:p>
+            <a:r>
+              <a:rPr lang="en-US" dirty="0"/>
+              <a:t>Admin menu</a:t>
+            </a:r>
+          </a:p>
+        </p:txBody>
+      </p:sp>
+      <p:sp>
+        <p:nvSpPr>
+          <p:cNvPr id="3" name="Content Placeholder 2"/>
+          <p:cNvSpPr>
+            <a:spLocks noGrp="1"/>
+          </p:cNvSpPr>
+          <p:nvPr>
+            <p:ph idx="1"/>
+          </p:nvPr>
+        </p:nvSpPr>
+        <p:spPr/>
+        <p:txBody>
+          <a:bodyPr/>
+          <a:lstStyle/>
+          <a:p>
+            <a:r>
+              <a:rPr lang="nl-NL" dirty="0"/>
+              <a:t>Teams importeren</a:t>
+            </a:r>
+          </a:p>
+          <a:p>
+            <a:r>
+              <a:rPr lang="nl-NL" dirty="0"/>
+              <a:t>Poule fase importeren</a:t>
+            </a:r>
+            <a:endParaRPr lang="en-US" dirty="0"/>
+          </a:p>
+          <a:p>
+            <a:r>
+              <a:rPr lang="en-US" dirty="0"/>
+              <a:t>Playoffs </a:t>
+            </a:r>
+            <a:r>
+              <a:rPr lang="nl-NL" dirty="0"/>
+              <a:t>importeren</a:t>
+            </a:r>
+          </a:p>
+          <a:p>
+            <a:r>
+              <a:rPr lang="nl-NL" dirty="0"/>
+              <a:t>Handmatig scores invoeren</a:t>
+            </a:r>
+          </a:p>
+          <a:p>
+            <a:r>
+              <a:rPr lang="nl-NL" dirty="0"/>
+              <a:t>De bug tool</a:t>
+            </a:r>
+          </a:p>
+        </p:txBody>
+      </p:sp>
+      <p:pic>
+        <p:nvPicPr>
+          <p:cNvPr id="5" name="Picture 4"/>
+          <p:cNvPicPr>
+            <a:picLocks noChangeAspect="1"/>
+          </p:cNvPicPr>
+          <p:nvPr/>
+        </p:nvPicPr>
+        <p:blipFill>
+          <a:blip r:embed="rId2"/>
+          <a:stretch>
+            <a:fillRect/>
+          </a:stretch>
+        </p:blipFill>
+        <p:spPr>
+          <a:xfrm>
+            <a:off x="7187399" y="3897147"/>
+            <a:ext cx="4665936" cy="2536175"/>
+          </a:xfrm>
+          <a:prstGeom prst="rect">
+            <a:avLst/>
+          </a:prstGeom>
+        </p:spPr>
+      </p:pic>
+    </p:spTree>
+    <p:extLst>
+      <p:ext uri="{BB962C8B-B14F-4D97-AF65-F5344CB8AC3E}">
+        <p14:creationId xmlns:p14="http://schemas.microsoft.com/office/powerpoint/2010/main" val="3174590670"/>
       </p:ext>
     </p:extLst>
   </p:cSld>

--- a/documenten/presentatie/cs_presentatie.pptx
+++ b/documenten/presentatie/cs_presentatie.pptx
@@ -206,7 +206,7 @@
           <a:p>
             <a:fld id="{A3338EA1-B8D4-4E87-85B6-CC0126DB775D}" type="datetimeFigureOut">
               <a:rPr lang="nl-NL" smtClean="0"/>
-              <a:t>8-6-2017</a:t>
+              <a:t>9-6-2017</a:t>
             </a:fld>
             <a:endParaRPr lang="nl-NL"/>
           </a:p>
@@ -783,7 +783,7 @@
             <a:fld id="{5586B75A-687E-405C-8A0B-8D00578BA2C3}" type="datetimeFigureOut">
               <a:rPr lang="en-US" dirty="0"/>
               <a:pPr/>
-              <a:t>6/8/2017</a:t>
+              <a:t>6/9/2017</a:t>
             </a:fld>
             <a:endParaRPr lang="en-US" dirty="0"/>
           </a:p>
@@ -950,7 +950,7 @@
             <a:fld id="{5586B75A-687E-405C-8A0B-8D00578BA2C3}" type="datetimeFigureOut">
               <a:rPr lang="en-US" dirty="0"/>
               <a:pPr/>
-              <a:t>6/8/2017</a:t>
+              <a:t>6/9/2017</a:t>
             </a:fld>
             <a:endParaRPr lang="en-US" dirty="0"/>
           </a:p>
@@ -1127,7 +1127,7 @@
             <a:fld id="{5586B75A-687E-405C-8A0B-8D00578BA2C3}" type="datetimeFigureOut">
               <a:rPr lang="en-US" dirty="0"/>
               <a:pPr/>
-              <a:t>6/8/2017</a:t>
+              <a:t>6/9/2017</a:t>
             </a:fld>
             <a:endParaRPr lang="en-US" dirty="0"/>
           </a:p>
@@ -1294,7 +1294,7 @@
             <a:fld id="{5586B75A-687E-405C-8A0B-8D00578BA2C3}" type="datetimeFigureOut">
               <a:rPr lang="en-US" dirty="0"/>
               <a:pPr/>
-              <a:t>6/8/2017</a:t>
+              <a:t>6/9/2017</a:t>
             </a:fld>
             <a:endParaRPr lang="en-US" dirty="0"/>
           </a:p>
@@ -1545,7 +1545,7 @@
             <a:fld id="{5586B75A-687E-405C-8A0B-8D00578BA2C3}" type="datetimeFigureOut">
               <a:rPr lang="en-US" dirty="0"/>
               <a:pPr/>
-              <a:t>6/8/2017</a:t>
+              <a:t>6/9/2017</a:t>
             </a:fld>
             <a:endParaRPr lang="en-US" dirty="0"/>
           </a:p>
@@ -1830,7 +1830,7 @@
             <a:fld id="{5586B75A-687E-405C-8A0B-8D00578BA2C3}" type="datetimeFigureOut">
               <a:rPr lang="en-US" dirty="0"/>
               <a:pPr/>
-              <a:t>6/8/2017</a:t>
+              <a:t>6/9/2017</a:t>
             </a:fld>
             <a:endParaRPr lang="en-US" dirty="0"/>
           </a:p>
@@ -2269,7 +2269,7 @@
             <a:fld id="{5586B75A-687E-405C-8A0B-8D00578BA2C3}" type="datetimeFigureOut">
               <a:rPr lang="en-US" dirty="0"/>
               <a:pPr/>
-              <a:t>6/8/2017</a:t>
+              <a:t>6/9/2017</a:t>
             </a:fld>
             <a:endParaRPr lang="en-US" dirty="0"/>
           </a:p>
@@ -2384,7 +2384,7 @@
             <a:fld id="{5586B75A-687E-405C-8A0B-8D00578BA2C3}" type="datetimeFigureOut">
               <a:rPr lang="en-US" dirty="0"/>
               <a:pPr/>
-              <a:t>6/8/2017</a:t>
+              <a:t>6/9/2017</a:t>
             </a:fld>
             <a:endParaRPr lang="en-US" dirty="0"/>
           </a:p>
@@ -2476,7 +2476,7 @@
             <a:fld id="{5586B75A-687E-405C-8A0B-8D00578BA2C3}" type="datetimeFigureOut">
               <a:rPr lang="en-US" dirty="0"/>
               <a:pPr/>
-              <a:t>6/8/2017</a:t>
+              <a:t>6/9/2017</a:t>
             </a:fld>
             <a:endParaRPr lang="en-US" dirty="0"/>
           </a:p>
@@ -2761,7 +2761,7 @@
             <a:fld id="{5586B75A-687E-405C-8A0B-8D00578BA2C3}" type="datetimeFigureOut">
               <a:rPr lang="en-US" dirty="0"/>
               <a:pPr/>
-              <a:t>6/8/2017</a:t>
+              <a:t>6/9/2017</a:t>
             </a:fld>
             <a:endParaRPr lang="en-US" dirty="0"/>
           </a:p>
@@ -3031,7 +3031,7 @@
             <a:fld id="{5586B75A-687E-405C-8A0B-8D00578BA2C3}" type="datetimeFigureOut">
               <a:rPr lang="en-US" dirty="0"/>
               <a:pPr/>
-              <a:t>6/8/2017</a:t>
+              <a:t>6/9/2017</a:t>
             </a:fld>
             <a:endParaRPr lang="en-US" dirty="0"/>
           </a:p>
@@ -3325,7 +3325,7 @@
             <a:fld id="{5586B75A-687E-405C-8A0B-8D00578BA2C3}" type="datetimeFigureOut">
               <a:rPr lang="en-US" dirty="0"/>
               <a:pPr/>
-              <a:t>6/8/2017</a:t>
+              <a:t>6/9/2017</a:t>
             </a:fld>
             <a:endParaRPr lang="en-US" dirty="0"/>
           </a:p>
@@ -4023,7 +4023,7 @@
       </p:sp>
       <p:pic>
         <p:nvPicPr>
-          <p:cNvPr id="4" name="Content Placeholder 3"/>
+          <p:cNvPr id="7" name="Content Placeholder 6"/>
           <p:cNvPicPr>
             <a:picLocks noGrp="1" noChangeAspect="1"/>
           </p:cNvPicPr>
@@ -4039,12 +4039,9 @@
         </p:blipFill>
         <p:spPr>
           <a:xfrm>
-            <a:off x="4127049" y="863600"/>
-            <a:ext cx="6798578" cy="5121275"/>
+            <a:off x="4104048" y="863600"/>
+            <a:ext cx="6844579" cy="5121275"/>
           </a:xfrm>
-          <a:prstGeom prst="rect">
-            <a:avLst/>
-          </a:prstGeom>
         </p:spPr>
       </p:pic>
     </p:spTree>
